--- a/session_03_probabilistic_programming/probabilistic_programming.pptx
+++ b/session_03_probabilistic_programming/probabilistic_programming.pptx
@@ -1757,7 +1757,7 @@
           <a:p>
             <a:fld id="{43E8DC33-9320-4328-B019-E0163181A3C7}" type="datetimeFigureOut">
               <a:rPr lang="LID4096" smtClean="0"/>
-              <a:t>10/12/2022</a:t>
+              <a:t>10/20/2025</a:t>
             </a:fld>
             <a:endParaRPr lang="LID4096"/>
           </a:p>
@@ -2838,7 +2838,7 @@
           <a:p>
             <a:fld id="{DF77F8B7-67C5-4A34-9D89-4D3855478B38}" type="datetime1">
               <a:rPr lang="LID4096" smtClean="0"/>
-              <a:t>10/12/2022</a:t>
+              <a:t>10/20/2025</a:t>
             </a:fld>
             <a:endParaRPr lang="LID4096"/>
           </a:p>
@@ -3008,7 +3008,7 @@
           <a:p>
             <a:fld id="{2E01C644-7963-4809-9FF7-F9DF3305E547}" type="datetime1">
               <a:rPr lang="LID4096" smtClean="0"/>
-              <a:t>10/12/2022</a:t>
+              <a:t>10/20/2025</a:t>
             </a:fld>
             <a:endParaRPr lang="LID4096"/>
           </a:p>
@@ -3188,7 +3188,7 @@
           <a:p>
             <a:fld id="{B04ECBB3-0644-4928-A7BE-41D4F8638333}" type="datetime1">
               <a:rPr lang="LID4096" smtClean="0"/>
-              <a:t>10/12/2022</a:t>
+              <a:t>10/20/2025</a:t>
             </a:fld>
             <a:endParaRPr lang="LID4096"/>
           </a:p>
@@ -3358,7 +3358,7 @@
           <a:p>
             <a:fld id="{1E35827A-731F-4B00-B107-0A188EC60DAC}" type="datetime1">
               <a:rPr lang="LID4096" smtClean="0"/>
-              <a:t>10/12/2022</a:t>
+              <a:t>10/20/2025</a:t>
             </a:fld>
             <a:endParaRPr lang="LID4096"/>
           </a:p>
@@ -3604,7 +3604,7 @@
           <a:p>
             <a:fld id="{D8E46D72-F593-4B40-B106-3EC660BC654E}" type="datetime1">
               <a:rPr lang="LID4096" smtClean="0"/>
-              <a:t>10/12/2022</a:t>
+              <a:t>10/20/2025</a:t>
             </a:fld>
             <a:endParaRPr lang="LID4096"/>
           </a:p>
@@ -3836,7 +3836,7 @@
           <a:p>
             <a:fld id="{5D9F6076-8E4C-42D8-AF17-F97426B5A340}" type="datetime1">
               <a:rPr lang="LID4096" smtClean="0"/>
-              <a:t>10/12/2022</a:t>
+              <a:t>10/20/2025</a:t>
             </a:fld>
             <a:endParaRPr lang="LID4096"/>
           </a:p>
@@ -4203,7 +4203,7 @@
           <a:p>
             <a:fld id="{CD567D47-60FF-4C64-862B-023FFBAD268A}" type="datetime1">
               <a:rPr lang="LID4096" smtClean="0"/>
-              <a:t>10/12/2022</a:t>
+              <a:t>10/20/2025</a:t>
             </a:fld>
             <a:endParaRPr lang="LID4096"/>
           </a:p>
@@ -4321,7 +4321,7 @@
           <a:p>
             <a:fld id="{EFEF1EEE-FEBE-4D06-A0A4-D3C86B39934D}" type="datetime1">
               <a:rPr lang="LID4096" smtClean="0"/>
-              <a:t>10/12/2022</a:t>
+              <a:t>10/20/2025</a:t>
             </a:fld>
             <a:endParaRPr lang="LID4096"/>
           </a:p>
@@ -4416,7 +4416,7 @@
           <a:p>
             <a:fld id="{EACC84AE-54D1-4B7D-8A6B-EF7CB9635BE3}" type="datetime1">
               <a:rPr lang="LID4096" smtClean="0"/>
-              <a:t>10/12/2022</a:t>
+              <a:t>10/20/2025</a:t>
             </a:fld>
             <a:endParaRPr lang="LID4096"/>
           </a:p>
@@ -4693,7 +4693,7 @@
           <a:p>
             <a:fld id="{B227948E-2D54-4984-8A4B-70C1CA7F957B}" type="datetime1">
               <a:rPr lang="LID4096" smtClean="0"/>
-              <a:t>10/12/2022</a:t>
+              <a:t>10/20/2025</a:t>
             </a:fld>
             <a:endParaRPr lang="LID4096"/>
           </a:p>
@@ -4950,7 +4950,7 @@
           <a:p>
             <a:fld id="{378B6861-8171-4936-A2D2-42381F04264D}" type="datetime1">
               <a:rPr lang="LID4096" smtClean="0"/>
-              <a:t>10/12/2022</a:t>
+              <a:t>10/20/2025</a:t>
             </a:fld>
             <a:endParaRPr lang="LID4096"/>
           </a:p>
@@ -5163,7 +5163,7 @@
           <a:p>
             <a:fld id="{6D1357CB-971F-4825-B9C7-A50F10DC2193}" type="datetime1">
               <a:rPr lang="LID4096" smtClean="0"/>
-              <a:t>10/12/2022</a:t>
+              <a:t>10/20/2025</a:t>
             </a:fld>
             <a:endParaRPr lang="LID4096"/>
           </a:p>
@@ -6034,7 +6034,7 @@
                 <a:latin typeface="Source Sans Pro Light" panose="020B0403030403020204" pitchFamily="34" charset="0"/>
                 <a:ea typeface="Source Sans Pro Light" panose="020B0403030403020204" pitchFamily="34" charset="0"/>
               </a:rPr>
-              <a:t>It is likely the most popular probabilistic programming language as thousands of users rely on it for statistical modelling in many domains. It has an excellent support forum and great documentation. </a:t>
+              <a:t>It is probably the most popular probabilistic programming language as thousands of users rely on it for statistical modelling in many domains. It has an excellent support forum and great documentation. </a:t>
             </a:r>
           </a:p>
           <a:p>
@@ -12218,21 +12218,7 @@
                 <a:latin typeface="Source Sans Pro Light" panose="020B0403030403020204" pitchFamily="34" charset="0"/>
                 <a:ea typeface="Source Sans Pro Light" panose="020B0403030403020204" pitchFamily="34" charset="0"/>
               </a:rPr>
-              <a:t>Under the term programming languages, we generally think about imperative (general purpose) programming languages (e.g., </a:t>
-            </a:r>
-            <a:r>
-              <a:rPr lang="en-US" sz="2000" dirty="0" err="1">
-                <a:latin typeface="Source Sans Pro Light" panose="020B0403030403020204" pitchFamily="34" charset="0"/>
-                <a:ea typeface="Source Sans Pro Light" panose="020B0403030403020204" pitchFamily="34" charset="0"/>
-              </a:rPr>
-              <a:t>c++</a:t>
-            </a:r>
-            <a:r>
-              <a:rPr lang="en-US" sz="2000" dirty="0">
-                <a:latin typeface="Source Sans Pro Light" panose="020B0403030403020204" pitchFamily="34" charset="0"/>
-                <a:ea typeface="Source Sans Pro Light" panose="020B0403030403020204" pitchFamily="34" charset="0"/>
-              </a:rPr>
-              <a:t>, python, R, Rust ...).</a:t>
+              <a:t>Under the term programming languages, we generally think about imperative (general purpose) programming languages (e.g., C++, python, R, Rust...).</a:t>
             </a:r>
           </a:p>
           <a:p>
@@ -14036,7 +14022,7 @@
                 <a:latin typeface="Source Sans Pro Light" panose="020B0403030403020204" pitchFamily="34" charset="0"/>
                 <a:ea typeface="Source Sans Pro Light" panose="020B0403030403020204" pitchFamily="34" charset="0"/>
               </a:rPr>
-              <a:t>With probabilistic programming we are going the other way, we are given the “output” (some data) and our task is to “reverse engineer” the process (or algorithm) that generated the data.</a:t>
+              <a:t>With probabilistic programming we are going the other way, we are given the “output” (some data), and our task is to “reverse engineer” the process (or algorithm) that generated the data.</a:t>
             </a:r>
           </a:p>
           <a:p>

--- a/session_03_probabilistic_programming/probabilistic_programming.pptx
+++ b/session_03_probabilistic_programming/probabilistic_programming.pptx
@@ -5,7 +5,7 @@
     <p:sldMasterId id="2147483660" r:id="rId1"/>
   </p:sldMasterIdLst>
   <p:notesMasterIdLst>
-    <p:notesMasterId r:id="rId37"/>
+    <p:notesMasterId r:id="rId36"/>
   </p:notesMasterIdLst>
   <p:sldIdLst>
     <p:sldId id="295" r:id="rId2"/>
@@ -39,10 +39,9 @@
     <p:sldId id="325" r:id="rId30"/>
     <p:sldId id="326" r:id="rId31"/>
     <p:sldId id="327" r:id="rId32"/>
-    <p:sldId id="332" r:id="rId33"/>
-    <p:sldId id="329" r:id="rId34"/>
-    <p:sldId id="330" r:id="rId35"/>
-    <p:sldId id="331" r:id="rId36"/>
+    <p:sldId id="329" r:id="rId33"/>
+    <p:sldId id="330" r:id="rId34"/>
+    <p:sldId id="332" r:id="rId35"/>
   </p:sldIdLst>
   <p:sldSz cx="9144000" cy="5715000" type="screen16x10"/>
   <p:notesSz cx="6858000" cy="9144000"/>
@@ -1757,7 +1756,7 @@
           <a:p>
             <a:fld id="{43E8DC33-9320-4328-B019-E0163181A3C7}" type="datetimeFigureOut">
               <a:rPr lang="LID4096" smtClean="0"/>
-              <a:t>10/20/2025</a:t>
+              <a:t>10/21/25</a:t>
             </a:fld>
             <a:endParaRPr lang="LID4096"/>
           </a:p>
@@ -2440,7 +2439,7 @@
     </p:spTree>
     <p:extLst>
       <p:ext uri="{BB962C8B-B14F-4D97-AF65-F5344CB8AC3E}">
-        <p14:creationId xmlns:p14="http://schemas.microsoft.com/office/powerpoint/2010/main" val="4186951682"/>
+        <p14:creationId xmlns:p14="http://schemas.microsoft.com/office/powerpoint/2010/main" val="89697770"/>
       </p:ext>
     </p:extLst>
   </p:cSld>
@@ -2524,7 +2523,7 @@
     </p:spTree>
     <p:extLst>
       <p:ext uri="{BB962C8B-B14F-4D97-AF65-F5344CB8AC3E}">
-        <p14:creationId xmlns:p14="http://schemas.microsoft.com/office/powerpoint/2010/main" val="89697770"/>
+        <p14:creationId xmlns:p14="http://schemas.microsoft.com/office/powerpoint/2010/main" val="101558186"/>
       </p:ext>
     </p:extLst>
   </p:cSld>
@@ -2608,96 +2607,7 @@
     </p:spTree>
     <p:extLst>
       <p:ext uri="{BB962C8B-B14F-4D97-AF65-F5344CB8AC3E}">
-        <p14:creationId xmlns:p14="http://schemas.microsoft.com/office/powerpoint/2010/main" val="101558186"/>
-      </p:ext>
-    </p:extLst>
-  </p:cSld>
-  <p:clrMapOvr>
-    <a:masterClrMapping/>
-  </p:clrMapOvr>
-</p:notes>
-</file>
-
-<file path=ppt/notesSlides/notesSlide8.xml><?xml version="1.0" encoding="utf-8"?>
-<p:notes xmlns:a="http://schemas.openxmlformats.org/drawingml/2006/main" xmlns:r="http://schemas.openxmlformats.org/officeDocument/2006/relationships" xmlns:p="http://schemas.openxmlformats.org/presentationml/2006/main">
-  <p:cSld>
-    <p:spTree>
-      <p:nvGrpSpPr>
-        <p:cNvPr id="1" name=""/>
-        <p:cNvGrpSpPr/>
-        <p:nvPr/>
-      </p:nvGrpSpPr>
-      <p:grpSpPr>
-        <a:xfrm>
-          <a:off x="0" y="0"/>
-          <a:ext cx="0" cy="0"/>
-          <a:chOff x="0" y="0"/>
-          <a:chExt cx="0" cy="0"/>
-        </a:xfrm>
-      </p:grpSpPr>
-      <p:sp>
-        <p:nvSpPr>
-          <p:cNvPr id="2" name="Slide Image Placeholder 1"/>
-          <p:cNvSpPr>
-            <a:spLocks noGrp="1" noRot="1" noChangeAspect="1"/>
-          </p:cNvSpPr>
-          <p:nvPr>
-            <p:ph type="sldImg"/>
-          </p:nvPr>
-        </p:nvSpPr>
-        <p:spPr>
-          <a:xfrm>
-            <a:off x="960438" y="1143000"/>
-            <a:ext cx="4937125" cy="3086100"/>
-          </a:xfrm>
-        </p:spPr>
-      </p:sp>
-      <p:sp>
-        <p:nvSpPr>
-          <p:cNvPr id="3" name="Notes Placeholder 2"/>
-          <p:cNvSpPr>
-            <a:spLocks noGrp="1"/>
-          </p:cNvSpPr>
-          <p:nvPr>
-            <p:ph type="body" idx="1"/>
-          </p:nvPr>
-        </p:nvSpPr>
-        <p:spPr/>
-        <p:txBody>
-          <a:bodyPr/>
-          <a:lstStyle/>
-          <a:p>
-            <a:endParaRPr lang="LID4096" dirty="0"/>
-          </a:p>
-        </p:txBody>
-      </p:sp>
-      <p:sp>
-        <p:nvSpPr>
-          <p:cNvPr id="4" name="Slide Number Placeholder 3"/>
-          <p:cNvSpPr>
-            <a:spLocks noGrp="1"/>
-          </p:cNvSpPr>
-          <p:nvPr>
-            <p:ph type="sldNum" sz="quarter" idx="5"/>
-          </p:nvPr>
-        </p:nvSpPr>
-        <p:spPr/>
-        <p:txBody>
-          <a:bodyPr/>
-          <a:lstStyle/>
-          <a:p>
-            <a:fld id="{445B5041-6ABE-482D-8014-87CF18E72B1E}" type="slidenum">
-              <a:rPr lang="LID4096" smtClean="0"/>
-              <a:t>35</a:t>
-            </a:fld>
-            <a:endParaRPr lang="LID4096"/>
-          </a:p>
-        </p:txBody>
-      </p:sp>
-    </p:spTree>
-    <p:extLst>
-      <p:ext uri="{BB962C8B-B14F-4D97-AF65-F5344CB8AC3E}">
-        <p14:creationId xmlns:p14="http://schemas.microsoft.com/office/powerpoint/2010/main" val="2589582582"/>
+        <p14:creationId xmlns:p14="http://schemas.microsoft.com/office/powerpoint/2010/main" val="4186951682"/>
       </p:ext>
     </p:extLst>
   </p:cSld>
@@ -2838,7 +2748,7 @@
           <a:p>
             <a:fld id="{DF77F8B7-67C5-4A34-9D89-4D3855478B38}" type="datetime1">
               <a:rPr lang="LID4096" smtClean="0"/>
-              <a:t>10/20/2025</a:t>
+              <a:t>10/21/25</a:t>
             </a:fld>
             <a:endParaRPr lang="LID4096"/>
           </a:p>
@@ -3008,7 +2918,7 @@
           <a:p>
             <a:fld id="{2E01C644-7963-4809-9FF7-F9DF3305E547}" type="datetime1">
               <a:rPr lang="LID4096" smtClean="0"/>
-              <a:t>10/20/2025</a:t>
+              <a:t>10/21/25</a:t>
             </a:fld>
             <a:endParaRPr lang="LID4096"/>
           </a:p>
@@ -3188,7 +3098,7 @@
           <a:p>
             <a:fld id="{B04ECBB3-0644-4928-A7BE-41D4F8638333}" type="datetime1">
               <a:rPr lang="LID4096" smtClean="0"/>
-              <a:t>10/20/2025</a:t>
+              <a:t>10/21/25</a:t>
             </a:fld>
             <a:endParaRPr lang="LID4096"/>
           </a:p>
@@ -3358,7 +3268,7 @@
           <a:p>
             <a:fld id="{1E35827A-731F-4B00-B107-0A188EC60DAC}" type="datetime1">
               <a:rPr lang="LID4096" smtClean="0"/>
-              <a:t>10/20/2025</a:t>
+              <a:t>10/21/25</a:t>
             </a:fld>
             <a:endParaRPr lang="LID4096"/>
           </a:p>
@@ -3604,7 +3514,7 @@
           <a:p>
             <a:fld id="{D8E46D72-F593-4B40-B106-3EC660BC654E}" type="datetime1">
               <a:rPr lang="LID4096" smtClean="0"/>
-              <a:t>10/20/2025</a:t>
+              <a:t>10/21/25</a:t>
             </a:fld>
             <a:endParaRPr lang="LID4096"/>
           </a:p>
@@ -3836,7 +3746,7 @@
           <a:p>
             <a:fld id="{5D9F6076-8E4C-42D8-AF17-F97426B5A340}" type="datetime1">
               <a:rPr lang="LID4096" smtClean="0"/>
-              <a:t>10/20/2025</a:t>
+              <a:t>10/21/25</a:t>
             </a:fld>
             <a:endParaRPr lang="LID4096"/>
           </a:p>
@@ -4203,7 +4113,7 @@
           <a:p>
             <a:fld id="{CD567D47-60FF-4C64-862B-023FFBAD268A}" type="datetime1">
               <a:rPr lang="LID4096" smtClean="0"/>
-              <a:t>10/20/2025</a:t>
+              <a:t>10/21/25</a:t>
             </a:fld>
             <a:endParaRPr lang="LID4096"/>
           </a:p>
@@ -4321,7 +4231,7 @@
           <a:p>
             <a:fld id="{EFEF1EEE-FEBE-4D06-A0A4-D3C86B39934D}" type="datetime1">
               <a:rPr lang="LID4096" smtClean="0"/>
-              <a:t>10/20/2025</a:t>
+              <a:t>10/21/25</a:t>
             </a:fld>
             <a:endParaRPr lang="LID4096"/>
           </a:p>
@@ -4416,7 +4326,7 @@
           <a:p>
             <a:fld id="{EACC84AE-54D1-4B7D-8A6B-EF7CB9635BE3}" type="datetime1">
               <a:rPr lang="LID4096" smtClean="0"/>
-              <a:t>10/20/2025</a:t>
+              <a:t>10/21/25</a:t>
             </a:fld>
             <a:endParaRPr lang="LID4096"/>
           </a:p>
@@ -4693,7 +4603,7 @@
           <a:p>
             <a:fld id="{B227948E-2D54-4984-8A4B-70C1CA7F957B}" type="datetime1">
               <a:rPr lang="LID4096" smtClean="0"/>
-              <a:t>10/20/2025</a:t>
+              <a:t>10/21/25</a:t>
             </a:fld>
             <a:endParaRPr lang="LID4096"/>
           </a:p>
@@ -4950,7 +4860,7 @@
           <a:p>
             <a:fld id="{378B6861-8171-4936-A2D2-42381F04264D}" type="datetime1">
               <a:rPr lang="LID4096" smtClean="0"/>
-              <a:t>10/20/2025</a:t>
+              <a:t>10/21/25</a:t>
             </a:fld>
             <a:endParaRPr lang="LID4096"/>
           </a:p>
@@ -5163,7 +5073,7 @@
           <a:p>
             <a:fld id="{6D1357CB-971F-4825-B9C7-A50F10DC2193}" type="datetime1">
               <a:rPr lang="LID4096" smtClean="0"/>
-              <a:t>10/20/2025</a:t>
+              <a:t>10/21/25</a:t>
             </a:fld>
             <a:endParaRPr lang="LID4096"/>
           </a:p>
@@ -12172,7 +12082,21 @@
                 <a:latin typeface="Source Sans Pro" panose="020B0503030403020204" pitchFamily="34" charset="0"/>
                 <a:ea typeface="Source Sans Pro" panose="020B0503030403020204" pitchFamily="34" charset="0"/>
               </a:rPr>
-              <a:t>Imperative programming</a:t>
+              <a:t>Imperative </a:t>
+            </a:r>
+            <a:r>
+              <a:rPr lang="en-US" sz="2800" b="1">
+                <a:latin typeface="Source Sans Pro" panose="020B0503030403020204" pitchFamily="34" charset="0"/>
+                <a:ea typeface="Source Sans Pro" panose="020B0503030403020204" pitchFamily="34" charset="0"/>
+              </a:rPr>
+              <a:t>(“traditional”) </a:t>
+            </a:r>
+            <a:r>
+              <a:rPr lang="en-US" sz="2800" b="1" dirty="0">
+                <a:latin typeface="Source Sans Pro" panose="020B0503030403020204" pitchFamily="34" charset="0"/>
+                <a:ea typeface="Source Sans Pro" panose="020B0503030403020204" pitchFamily="34" charset="0"/>
+              </a:rPr>
+              <a:t>programming</a:t>
             </a:r>
             <a:endParaRPr lang="LID4096" sz="2800" b="1" dirty="0">
               <a:latin typeface="Source Sans Pro" panose="020B0503030403020204" pitchFamily="34" charset="0"/>
@@ -12979,43 +12903,43 @@
           <a:chExt cx="0" cy="0"/>
         </a:xfrm>
       </p:grpSpPr>
-      <p:pic>
-        <p:nvPicPr>
-          <p:cNvPr id="4" name="Picture 3" descr="Logo, company name&#10;&#10;Description automatically generated">
+      <p:sp>
+        <p:nvSpPr>
+          <p:cNvPr id="2" name="Title 1">
             <a:extLst>
               <a:ext uri="{FF2B5EF4-FFF2-40B4-BE49-F238E27FC236}">
-                <a16:creationId xmlns:a16="http://schemas.microsoft.com/office/drawing/2014/main" id="{B843C928-BA92-4E3B-A771-AAED350D87B3}"/>
+                <a16:creationId xmlns:a16="http://schemas.microsoft.com/office/drawing/2014/main" id="{5488FAB6-27FF-4F6E-B6A3-2E4E1E84283E}"/>
               </a:ext>
             </a:extLst>
           </p:cNvPr>
-          <p:cNvPicPr>
-            <a:picLocks noChangeAspect="1"/>
-          </p:cNvPicPr>
-          <p:nvPr/>
-        </p:nvPicPr>
-        <p:blipFill>
-          <a:blip r:embed="rId3">
-            <a:alphaModFix amt="5000"/>
-            <a:extLst>
-              <a:ext uri="{28A0092B-C50C-407E-A947-70E740481C1C}">
-                <a14:useLocalDpi xmlns:a14="http://schemas.microsoft.com/office/drawing/2010/main" val="0"/>
-              </a:ext>
-            </a:extLst>
-          </a:blip>
-          <a:stretch>
-            <a:fillRect/>
-          </a:stretch>
-        </p:blipFill>
-        <p:spPr>
-          <a:xfrm>
-            <a:off x="2030642" y="309365"/>
-            <a:ext cx="5082715" cy="5096270"/>
-          </a:xfrm>
-          <a:prstGeom prst="rect">
-            <a:avLst/>
-          </a:prstGeom>
-        </p:spPr>
-      </p:pic>
+          <p:cNvSpPr>
+            <a:spLocks noGrp="1"/>
+          </p:cNvSpPr>
+          <p:nvPr>
+            <p:ph type="title"/>
+          </p:nvPr>
+        </p:nvSpPr>
+        <p:spPr/>
+        <p:txBody>
+          <a:bodyPr>
+            <a:normAutofit/>
+          </a:bodyPr>
+          <a:lstStyle/>
+          <a:p>
+            <a:r>
+              <a:rPr lang="en-US" sz="2800" b="1" dirty="0">
+                <a:latin typeface="Source Sans Pro" panose="020B0503030403020204" pitchFamily="34" charset="0"/>
+                <a:ea typeface="Source Sans Pro" panose="020B0503030403020204" pitchFamily="34" charset="0"/>
+              </a:rPr>
+              <a:t>Presenting models</a:t>
+            </a:r>
+            <a:endParaRPr lang="LID4096" sz="2800" b="1" dirty="0">
+              <a:latin typeface="Source Sans Pro" panose="020B0503030403020204" pitchFamily="34" charset="0"/>
+              <a:ea typeface="Source Sans Pro" panose="020B0503030403020204" pitchFamily="34" charset="0"/>
+            </a:endParaRPr>
+          </a:p>
+        </p:txBody>
+      </p:sp>
       <p:sp>
         <p:nvSpPr>
           <p:cNvPr id="5" name="Slide Number Placeholder 4">
@@ -13053,182 +12977,6 @@
               </a:rPr>
               <a:pPr algn="ctr"/>
               <a:t>32</a:t>
-            </a:fld>
-            <a:endParaRPr lang="LID4096" sz="1600" b="1" dirty="0">
-              <a:solidFill>
-                <a:srgbClr val="EF1209"/>
-              </a:solidFill>
-              <a:latin typeface="Source Sans Pro" panose="020B0503030403020204" pitchFamily="34" charset="0"/>
-              <a:ea typeface="Source Sans Pro" panose="020B0503030403020204" pitchFamily="34" charset="0"/>
-            </a:endParaRPr>
-          </a:p>
-        </p:txBody>
-      </p:sp>
-      <p:sp>
-        <p:nvSpPr>
-          <p:cNvPr id="10" name="Title 1">
-            <a:extLst>
-              <a:ext uri="{FF2B5EF4-FFF2-40B4-BE49-F238E27FC236}">
-                <a16:creationId xmlns:a16="http://schemas.microsoft.com/office/drawing/2014/main" id="{3B37C8E1-518D-4B8F-8EA7-56BAD539FFF7}"/>
-              </a:ext>
-            </a:extLst>
-          </p:cNvPr>
-          <p:cNvSpPr txBox="1">
-            <a:spLocks/>
-          </p:cNvSpPr>
-          <p:nvPr/>
-        </p:nvSpPr>
-        <p:spPr>
-          <a:xfrm>
-            <a:off x="2765400" y="2307070"/>
-            <a:ext cx="3613197" cy="1100859"/>
-          </a:xfrm>
-          <a:prstGeom prst="rect">
-            <a:avLst/>
-          </a:prstGeom>
-        </p:spPr>
-        <p:txBody>
-          <a:bodyPr vert="horz" lIns="91440" tIns="45720" rIns="91440" bIns="45720" rtlCol="0" anchor="ctr">
-            <a:normAutofit fontScale="97500"/>
-          </a:bodyPr>
-          <a:lstStyle>
-            <a:lvl1pPr algn="l" defTabSz="685800" rtl="0" eaLnBrk="1" latinLnBrk="0" hangingPunct="1">
-              <a:lnSpc>
-                <a:spcPct val="90000"/>
-              </a:lnSpc>
-              <a:spcBef>
-                <a:spcPct val="0"/>
-              </a:spcBef>
-              <a:buNone/>
-              <a:defRPr sz="3300" kern="1200">
-                <a:solidFill>
-                  <a:schemeClr val="tx1"/>
-                </a:solidFill>
-                <a:latin typeface="+mj-lt"/>
-                <a:ea typeface="+mj-ea"/>
-                <a:cs typeface="+mj-cs"/>
-              </a:defRPr>
-            </a:lvl1pPr>
-          </a:lstStyle>
-          <a:p>
-            <a:r>
-              <a:rPr lang="en-US" sz="3200" b="1" dirty="0">
-                <a:latin typeface="Source Sans Pro" panose="020B0503030403020204" pitchFamily="34" charset="0"/>
-                <a:ea typeface="Source Sans Pro" panose="020B0503030403020204" pitchFamily="34" charset="0"/>
-              </a:rPr>
-              <a:t>Hands on examples</a:t>
-            </a:r>
-            <a:endParaRPr lang="LID4096" sz="5400" b="1" dirty="0">
-              <a:latin typeface="Source Sans Pro" panose="020B0503030403020204" pitchFamily="34" charset="0"/>
-              <a:ea typeface="Source Sans Pro" panose="020B0503030403020204" pitchFamily="34" charset="0"/>
-            </a:endParaRPr>
-          </a:p>
-        </p:txBody>
-      </p:sp>
-    </p:spTree>
-    <p:extLst>
-      <p:ext uri="{BB962C8B-B14F-4D97-AF65-F5344CB8AC3E}">
-        <p14:creationId xmlns:p14="http://schemas.microsoft.com/office/powerpoint/2010/main" val="1946297934"/>
-      </p:ext>
-    </p:extLst>
-  </p:cSld>
-  <p:clrMapOvr>
-    <a:masterClrMapping/>
-  </p:clrMapOvr>
-</p:sld>
-</file>
-
-<file path=ppt/slides/slide33.xml><?xml version="1.0" encoding="utf-8"?>
-<p:sld xmlns:a="http://schemas.openxmlformats.org/drawingml/2006/main" xmlns:r="http://schemas.openxmlformats.org/officeDocument/2006/relationships" xmlns:p="http://schemas.openxmlformats.org/presentationml/2006/main">
-  <p:cSld>
-    <p:spTree>
-      <p:nvGrpSpPr>
-        <p:cNvPr id="1" name=""/>
-        <p:cNvGrpSpPr/>
-        <p:nvPr/>
-      </p:nvGrpSpPr>
-      <p:grpSpPr>
-        <a:xfrm>
-          <a:off x="0" y="0"/>
-          <a:ext cx="0" cy="0"/>
-          <a:chOff x="0" y="0"/>
-          <a:chExt cx="0" cy="0"/>
-        </a:xfrm>
-      </p:grpSpPr>
-      <p:sp>
-        <p:nvSpPr>
-          <p:cNvPr id="2" name="Title 1">
-            <a:extLst>
-              <a:ext uri="{FF2B5EF4-FFF2-40B4-BE49-F238E27FC236}">
-                <a16:creationId xmlns:a16="http://schemas.microsoft.com/office/drawing/2014/main" id="{5488FAB6-27FF-4F6E-B6A3-2E4E1E84283E}"/>
-              </a:ext>
-            </a:extLst>
-          </p:cNvPr>
-          <p:cNvSpPr>
-            <a:spLocks noGrp="1"/>
-          </p:cNvSpPr>
-          <p:nvPr>
-            <p:ph type="title"/>
-          </p:nvPr>
-        </p:nvSpPr>
-        <p:spPr/>
-        <p:txBody>
-          <a:bodyPr>
-            <a:normAutofit/>
-          </a:bodyPr>
-          <a:lstStyle/>
-          <a:p>
-            <a:r>
-              <a:rPr lang="en-US" sz="2800" b="1" dirty="0">
-                <a:latin typeface="Source Sans Pro" panose="020B0503030403020204" pitchFamily="34" charset="0"/>
-                <a:ea typeface="Source Sans Pro" panose="020B0503030403020204" pitchFamily="34" charset="0"/>
-              </a:rPr>
-              <a:t>Presenting models</a:t>
-            </a:r>
-            <a:endParaRPr lang="LID4096" sz="2800" b="1" dirty="0">
-              <a:latin typeface="Source Sans Pro" panose="020B0503030403020204" pitchFamily="34" charset="0"/>
-              <a:ea typeface="Source Sans Pro" panose="020B0503030403020204" pitchFamily="34" charset="0"/>
-            </a:endParaRPr>
-          </a:p>
-        </p:txBody>
-      </p:sp>
-      <p:sp>
-        <p:nvSpPr>
-          <p:cNvPr id="5" name="Slide Number Placeholder 4">
-            <a:extLst>
-              <a:ext uri="{FF2B5EF4-FFF2-40B4-BE49-F238E27FC236}">
-                <a16:creationId xmlns:a16="http://schemas.microsoft.com/office/drawing/2014/main" id="{32359CFB-E8AA-4FDD-A4C4-214EF48D5737}"/>
-              </a:ext>
-            </a:extLst>
-          </p:cNvPr>
-          <p:cNvSpPr>
-            <a:spLocks noGrp="1"/>
-          </p:cNvSpPr>
-          <p:nvPr>
-            <p:ph type="sldNum" sz="quarter" idx="12"/>
-          </p:nvPr>
-        </p:nvSpPr>
-        <p:spPr>
-          <a:xfrm>
-            <a:off x="8611149" y="5216685"/>
-            <a:ext cx="532852" cy="498315"/>
-          </a:xfrm>
-        </p:spPr>
-        <p:txBody>
-          <a:bodyPr/>
-          <a:lstStyle/>
-          <a:p>
-            <a:pPr algn="ctr"/>
-            <a:fld id="{96EFF5A7-69E0-4703-97D0-8078648202E5}" type="slidenum">
-              <a:rPr lang="LID4096" sz="1600" b="1">
-                <a:solidFill>
-                  <a:srgbClr val="EF1209"/>
-                </a:solidFill>
-                <a:latin typeface="Source Sans Pro" panose="020B0503030403020204" pitchFamily="34" charset="0"/>
-                <a:ea typeface="Source Sans Pro" panose="020B0503030403020204" pitchFamily="34" charset="0"/>
-              </a:rPr>
-              <a:pPr algn="ctr"/>
-              <a:t>33</a:t>
             </a:fld>
             <a:endParaRPr lang="LID4096" sz="1600" b="1" dirty="0">
               <a:solidFill>
@@ -13283,7 +13031,7 @@
 </p:sld>
 </file>
 
-<file path=ppt/slides/slide34.xml><?xml version="1.0" encoding="utf-8"?>
+<file path=ppt/slides/slide33.xml><?xml version="1.0" encoding="utf-8"?>
 <p:sld xmlns:a="http://schemas.openxmlformats.org/drawingml/2006/main" xmlns:r="http://schemas.openxmlformats.org/officeDocument/2006/relationships" xmlns:p="http://schemas.openxmlformats.org/presentationml/2006/main">
   <p:cSld>
     <p:spTree>
@@ -13336,7 +13084,7 @@
                 <a:ea typeface="Source Sans Pro" panose="020B0503030403020204" pitchFamily="34" charset="0"/>
               </a:rPr>
               <a:pPr algn="ctr"/>
-              <a:t>34</a:t>
+              <a:t>33</a:t>
             </a:fld>
             <a:endParaRPr lang="LID4096" sz="1600" b="1" dirty="0">
               <a:solidFill>
@@ -13397,7 +13145,7 @@
 </p:sld>
 </file>
 
-<file path=ppt/slides/slide35.xml><?xml version="1.0" encoding="utf-8"?>
+<file path=ppt/slides/slide34.xml><?xml version="1.0" encoding="utf-8"?>
 <p:sld xmlns:a="http://schemas.openxmlformats.org/drawingml/2006/main" xmlns:r="http://schemas.openxmlformats.org/officeDocument/2006/relationships" xmlns:p="http://schemas.openxmlformats.org/presentationml/2006/main">
   <p:cSld>
     <p:spTree>
@@ -13414,52 +13162,156 @@
           <a:chExt cx="0" cy="0"/>
         </a:xfrm>
       </p:grpSpPr>
-      <p:sp>
-        <p:nvSpPr>
-          <p:cNvPr id="2" name="Title 1">
+      <p:pic>
+        <p:nvPicPr>
+          <p:cNvPr id="4" name="Picture 3" descr="Logo, company name&#10;&#10;Description automatically generated">
             <a:extLst>
               <a:ext uri="{FF2B5EF4-FFF2-40B4-BE49-F238E27FC236}">
-                <a16:creationId xmlns:a16="http://schemas.microsoft.com/office/drawing/2014/main" id="{C09EBB0E-6BEA-4319-99EF-3E7BAB5D421A}"/>
+                <a16:creationId xmlns:a16="http://schemas.microsoft.com/office/drawing/2014/main" id="{B843C928-BA92-4E3B-A771-AAED350D87B3}"/>
               </a:ext>
             </a:extLst>
           </p:cNvPr>
-          <p:cNvSpPr>
-            <a:spLocks noGrp="1"/>
-          </p:cNvSpPr>
-          <p:nvPr>
-            <p:ph type="ctrTitle"/>
-          </p:nvPr>
-        </p:nvSpPr>
+          <p:cNvPicPr>
+            <a:picLocks noChangeAspect="1"/>
+          </p:cNvPicPr>
+          <p:nvPr/>
+        </p:nvPicPr>
+        <p:blipFill>
+          <a:blip r:embed="rId3">
+            <a:alphaModFix amt="5000"/>
+            <a:extLst>
+              <a:ext uri="{28A0092B-C50C-407E-A947-70E740481C1C}">
+                <a14:useLocalDpi xmlns:a14="http://schemas.microsoft.com/office/drawing/2010/main" val="0"/>
+              </a:ext>
+            </a:extLst>
+          </a:blip>
+          <a:stretch>
+            <a:fillRect/>
+          </a:stretch>
+        </p:blipFill>
         <p:spPr>
           <a:xfrm>
-            <a:off x="1143000" y="997770"/>
-            <a:ext cx="6858000" cy="3719460"/>
+            <a:off x="2030642" y="309365"/>
+            <a:ext cx="5082715" cy="5096270"/>
+          </a:xfrm>
+          <a:prstGeom prst="rect">
+            <a:avLst/>
+          </a:prstGeom>
+        </p:spPr>
+      </p:pic>
+      <p:sp>
+        <p:nvSpPr>
+          <p:cNvPr id="5" name="Slide Number Placeholder 4">
+            <a:extLst>
+              <a:ext uri="{FF2B5EF4-FFF2-40B4-BE49-F238E27FC236}">
+                <a16:creationId xmlns:a16="http://schemas.microsoft.com/office/drawing/2014/main" id="{32359CFB-E8AA-4FDD-A4C4-214EF48D5737}"/>
+              </a:ext>
+            </a:extLst>
+          </p:cNvPr>
+          <p:cNvSpPr>
+            <a:spLocks noGrp="1"/>
+          </p:cNvSpPr>
+          <p:nvPr>
+            <p:ph type="sldNum" sz="quarter" idx="12"/>
+          </p:nvPr>
+        </p:nvSpPr>
+        <p:spPr>
+          <a:xfrm>
+            <a:off x="8611149" y="5216685"/>
+            <a:ext cx="532852" cy="498315"/>
           </a:xfrm>
         </p:spPr>
         <p:txBody>
-          <a:bodyPr>
-            <a:noAutofit/>
-          </a:bodyPr>
-          <a:lstStyle/>
-          <a:p>
-            <a:r>
-              <a:rPr lang="en-US" sz="25600" b="1" dirty="0">
+          <a:bodyPr/>
+          <a:lstStyle/>
+          <a:p>
+            <a:pPr algn="ctr"/>
+            <a:fld id="{96EFF5A7-69E0-4703-97D0-8078648202E5}" type="slidenum">
+              <a:rPr lang="LID4096" sz="1600" b="1">
+                <a:solidFill>
+                  <a:srgbClr val="EF1209"/>
+                </a:solidFill>
                 <a:latin typeface="Source Sans Pro" panose="020B0503030403020204" pitchFamily="34" charset="0"/>
                 <a:ea typeface="Source Sans Pro" panose="020B0503030403020204" pitchFamily="34" charset="0"/>
               </a:rPr>
-              <a:t>?</a:t>
-            </a:r>
-            <a:endParaRPr lang="LID4096" sz="25600" b="1" dirty="0">
+              <a:pPr algn="ctr"/>
+              <a:t>34</a:t>
+            </a:fld>
+            <a:endParaRPr lang="LID4096" sz="1600" b="1" dirty="0">
+              <a:solidFill>
+                <a:srgbClr val="EF1209"/>
+              </a:solidFill>
               <a:latin typeface="Source Sans Pro" panose="020B0503030403020204" pitchFamily="34" charset="0"/>
               <a:ea typeface="Source Sans Pro" panose="020B0503030403020204" pitchFamily="34" charset="0"/>
             </a:endParaRPr>
           </a:p>
         </p:txBody>
       </p:sp>
+      <p:sp>
+        <p:nvSpPr>
+          <p:cNvPr id="10" name="Title 1">
+            <a:extLst>
+              <a:ext uri="{FF2B5EF4-FFF2-40B4-BE49-F238E27FC236}">
+                <a16:creationId xmlns:a16="http://schemas.microsoft.com/office/drawing/2014/main" id="{3B37C8E1-518D-4B8F-8EA7-56BAD539FFF7}"/>
+              </a:ext>
+            </a:extLst>
+          </p:cNvPr>
+          <p:cNvSpPr txBox="1">
+            <a:spLocks/>
+          </p:cNvSpPr>
+          <p:nvPr/>
+        </p:nvSpPr>
+        <p:spPr>
+          <a:xfrm>
+            <a:off x="2765400" y="2307070"/>
+            <a:ext cx="3613197" cy="1100859"/>
+          </a:xfrm>
+          <a:prstGeom prst="rect">
+            <a:avLst/>
+          </a:prstGeom>
+        </p:spPr>
+        <p:txBody>
+          <a:bodyPr vert="horz" lIns="91440" tIns="45720" rIns="91440" bIns="45720" rtlCol="0" anchor="ctr">
+            <a:normAutofit fontScale="97500"/>
+          </a:bodyPr>
+          <a:lstStyle>
+            <a:lvl1pPr algn="l" defTabSz="685800" rtl="0" eaLnBrk="1" latinLnBrk="0" hangingPunct="1">
+              <a:lnSpc>
+                <a:spcPct val="90000"/>
+              </a:lnSpc>
+              <a:spcBef>
+                <a:spcPct val="0"/>
+              </a:spcBef>
+              <a:buNone/>
+              <a:defRPr sz="3300" kern="1200">
+                <a:solidFill>
+                  <a:schemeClr val="tx1"/>
+                </a:solidFill>
+                <a:latin typeface="+mj-lt"/>
+                <a:ea typeface="+mj-ea"/>
+                <a:cs typeface="+mj-cs"/>
+              </a:defRPr>
+            </a:lvl1pPr>
+          </a:lstStyle>
+          <a:p>
+            <a:r>
+              <a:rPr lang="en-US" sz="3200" b="1" dirty="0">
+                <a:latin typeface="Source Sans Pro" panose="020B0503030403020204" pitchFamily="34" charset="0"/>
+                <a:ea typeface="Source Sans Pro" panose="020B0503030403020204" pitchFamily="34" charset="0"/>
+              </a:rPr>
+              <a:t>Hands on examples</a:t>
+            </a:r>
+            <a:endParaRPr lang="LID4096" sz="5400" b="1" dirty="0">
+              <a:latin typeface="Source Sans Pro" panose="020B0503030403020204" pitchFamily="34" charset="0"/>
+              <a:ea typeface="Source Sans Pro" panose="020B0503030403020204" pitchFamily="34" charset="0"/>
+            </a:endParaRPr>
+          </a:p>
+        </p:txBody>
+      </p:sp>
     </p:spTree>
     <p:extLst>
       <p:ext uri="{BB962C8B-B14F-4D97-AF65-F5344CB8AC3E}">
-        <p14:creationId xmlns:p14="http://schemas.microsoft.com/office/powerpoint/2010/main" val="1831023563"/>
+        <p14:creationId xmlns:p14="http://schemas.microsoft.com/office/powerpoint/2010/main" val="1946297934"/>
       </p:ext>
     </p:extLst>
   </p:cSld>
